--- a/Goerz_506_poster.pptx
+++ b/Goerz_506_poster.pptx
@@ -248,7 +248,7 @@
           <a:p>
             <a:fld id="{FE358358-A760-F64E-B648-46EEB5938ED2}" type="datetimeFigureOut">
               <a:rPr lang="en-US" smtClean="0"/>
-              <a:t>6/2/21</a:t>
+              <a:t>6/3/21</a:t>
             </a:fld>
             <a:endParaRPr lang="en-US"/>
           </a:p>
@@ -730,7 +730,7 @@
           <a:p>
             <a:fld id="{64280EEA-D0D3-8B4B-92D4-DEB51ACFF84E}" type="datetimeFigureOut">
               <a:rPr lang="en-US" smtClean="0"/>
-              <a:t>6/2/21</a:t>
+              <a:t>6/3/21</a:t>
             </a:fld>
             <a:endParaRPr lang="en-US"/>
           </a:p>
@@ -895,7 +895,7 @@
           <a:p>
             <a:fld id="{64280EEA-D0D3-8B4B-92D4-DEB51ACFF84E}" type="datetimeFigureOut">
               <a:rPr lang="en-US" smtClean="0"/>
-              <a:t>6/2/21</a:t>
+              <a:t>6/3/21</a:t>
             </a:fld>
             <a:endParaRPr lang="en-US"/>
           </a:p>
@@ -1070,7 +1070,7 @@
           <a:p>
             <a:fld id="{64280EEA-D0D3-8B4B-92D4-DEB51ACFF84E}" type="datetimeFigureOut">
               <a:rPr lang="en-US" smtClean="0"/>
-              <a:t>6/2/21</a:t>
+              <a:t>6/3/21</a:t>
             </a:fld>
             <a:endParaRPr lang="en-US"/>
           </a:p>
@@ -1235,7 +1235,7 @@
           <a:p>
             <a:fld id="{64280EEA-D0D3-8B4B-92D4-DEB51ACFF84E}" type="datetimeFigureOut">
               <a:rPr lang="en-US" smtClean="0"/>
-              <a:t>6/2/21</a:t>
+              <a:t>6/3/21</a:t>
             </a:fld>
             <a:endParaRPr lang="en-US"/>
           </a:p>
@@ -1474,7 +1474,7 @@
           <a:p>
             <a:fld id="{64280EEA-D0D3-8B4B-92D4-DEB51ACFF84E}" type="datetimeFigureOut">
               <a:rPr lang="en-US" smtClean="0"/>
-              <a:t>6/2/21</a:t>
+              <a:t>6/3/21</a:t>
             </a:fld>
             <a:endParaRPr lang="en-US"/>
           </a:p>
@@ -1701,7 +1701,7 @@
           <a:p>
             <a:fld id="{64280EEA-D0D3-8B4B-92D4-DEB51ACFF84E}" type="datetimeFigureOut">
               <a:rPr lang="en-US" smtClean="0"/>
-              <a:t>6/2/21</a:t>
+              <a:t>6/3/21</a:t>
             </a:fld>
             <a:endParaRPr lang="en-US"/>
           </a:p>
@@ -2063,7 +2063,7 @@
           <a:p>
             <a:fld id="{64280EEA-D0D3-8B4B-92D4-DEB51ACFF84E}" type="datetimeFigureOut">
               <a:rPr lang="en-US" smtClean="0"/>
-              <a:t>6/2/21</a:t>
+              <a:t>6/3/21</a:t>
             </a:fld>
             <a:endParaRPr lang="en-US"/>
           </a:p>
@@ -2176,7 +2176,7 @@
           <a:p>
             <a:fld id="{64280EEA-D0D3-8B4B-92D4-DEB51ACFF84E}" type="datetimeFigureOut">
               <a:rPr lang="en-US" smtClean="0"/>
-              <a:t>6/2/21</a:t>
+              <a:t>6/3/21</a:t>
             </a:fld>
             <a:endParaRPr lang="en-US"/>
           </a:p>
@@ -2266,7 +2266,7 @@
           <a:p>
             <a:fld id="{64280EEA-D0D3-8B4B-92D4-DEB51ACFF84E}" type="datetimeFigureOut">
               <a:rPr lang="en-US" smtClean="0"/>
-              <a:t>6/2/21</a:t>
+              <a:t>6/3/21</a:t>
             </a:fld>
             <a:endParaRPr lang="en-US"/>
           </a:p>
@@ -2538,7 +2538,7 @@
           <a:p>
             <a:fld id="{64280EEA-D0D3-8B4B-92D4-DEB51ACFF84E}" type="datetimeFigureOut">
               <a:rPr lang="en-US" smtClean="0"/>
-              <a:t>6/2/21</a:t>
+              <a:t>6/3/21</a:t>
             </a:fld>
             <a:endParaRPr lang="en-US"/>
           </a:p>
@@ -2790,7 +2790,7 @@
           <a:p>
             <a:fld id="{64280EEA-D0D3-8B4B-92D4-DEB51ACFF84E}" type="datetimeFigureOut">
               <a:rPr lang="en-US" smtClean="0"/>
-              <a:t>6/2/21</a:t>
+              <a:t>6/3/21</a:t>
             </a:fld>
             <a:endParaRPr lang="en-US"/>
           </a:p>
@@ -2998,7 +2998,7 @@
           <a:p>
             <a:fld id="{64280EEA-D0D3-8B4B-92D4-DEB51ACFF84E}" type="datetimeFigureOut">
               <a:rPr lang="en-US" smtClean="0"/>
-              <a:t>6/2/21</a:t>
+              <a:t>6/3/21</a:t>
             </a:fld>
             <a:endParaRPr lang="en-US"/>
           </a:p>
@@ -4573,7 +4573,7 @@
         <p:spPr>
           <a:xfrm>
             <a:off x="16872363" y="15917899"/>
-            <a:ext cx="7016337" cy="4662815"/>
+            <a:ext cx="7016337" cy="5170646"/>
           </a:xfrm>
           <a:prstGeom prst="rect">
             <a:avLst/>
@@ -4615,7 +4615,51 @@
                 <a:ea typeface="Uni Sans Book" charset="0"/>
                 <a:cs typeface="Uni Sans Book" charset="0"/>
               </a:rPr>
-              <a:t>As age increases, there is also a significant increase in approval.</a:t>
+              <a:t>As year born increases, </a:t>
+            </a:r>
+            <a:r>
+              <a:rPr lang="en-US" sz="3300">
+                <a:solidFill>
+                  <a:srgbClr val="000000"/>
+                </a:solidFill>
+                <a:latin typeface="Uni Sans Book" charset="0"/>
+                <a:ea typeface="Uni Sans Book" charset="0"/>
+                <a:cs typeface="Uni Sans Book" charset="0"/>
+              </a:rPr>
+              <a:t>there is a </a:t>
+            </a:r>
+            <a:r>
+              <a:rPr lang="en-US" sz="3300" dirty="0">
+                <a:solidFill>
+                  <a:srgbClr val="000000"/>
+                </a:solidFill>
+                <a:latin typeface="Uni Sans Book" charset="0"/>
+                <a:ea typeface="Uni Sans Book" charset="0"/>
+                <a:cs typeface="Uni Sans Book" charset="0"/>
+              </a:rPr>
+              <a:t>significant </a:t>
+            </a:r>
+            <a:r>
+              <a:rPr lang="en-US" sz="3300">
+                <a:solidFill>
+                  <a:srgbClr val="000000"/>
+                </a:solidFill>
+                <a:latin typeface="Uni Sans Book" charset="0"/>
+                <a:ea typeface="Uni Sans Book" charset="0"/>
+                <a:cs typeface="Uni Sans Book" charset="0"/>
+              </a:rPr>
+              <a:t>increase in the log-odds of </a:t>
+            </a:r>
+            <a:r>
+              <a:rPr lang="en-US" sz="3300" dirty="0">
+                <a:solidFill>
+                  <a:srgbClr val="000000"/>
+                </a:solidFill>
+                <a:latin typeface="Uni Sans Book" charset="0"/>
+                <a:ea typeface="Uni Sans Book" charset="0"/>
+                <a:cs typeface="Uni Sans Book" charset="0"/>
+              </a:rPr>
+              <a:t>approval.</a:t>
             </a:r>
           </a:p>
           <a:p>
